--- a/2.Generics/GenericsPresentation.pptx
+++ b/2.Generics/GenericsPresentation.pptx
@@ -19971,7 +19971,43 @@
               </a:rPr>
               <a:t>Классы</a:t>
             </a:r>
-            <a:endParaRPr sz="1600" b="1" i="0" u="none" strike="noStrike" cap="none" dirty="0">
+            <a:r>
+              <a:rPr lang="en-US" sz="1600" b="1" i="0" u="none" strike="noStrike" cap="none" dirty="0">
+                <a:solidFill>
+                  <a:schemeClr val="tx1"/>
+                </a:solidFill>
+                <a:latin typeface="Roboto"/>
+                <a:ea typeface="Roboto"/>
+                <a:cs typeface="Roboto"/>
+                <a:sym typeface="Roboto"/>
+              </a:rPr>
+              <a:t> </a:t>
+            </a:r>
+            <a:r>
+              <a:rPr lang="en-US" sz="1600" i="0" u="none" strike="noStrike" cap="none" dirty="0">
+                <a:solidFill>
+                  <a:schemeClr val="tx1"/>
+                </a:solidFill>
+                <a:latin typeface="Roboto"/>
+                <a:ea typeface="Roboto"/>
+                <a:cs typeface="Roboto"/>
+                <a:sym typeface="Roboto"/>
+              </a:rPr>
+              <a:t>– </a:t>
+            </a:r>
+            <a:r>
+              <a:rPr lang="ru-RU" sz="1600" i="0" u="none" strike="noStrike" cap="none" dirty="0">
+                <a:solidFill>
+                  <a:schemeClr val="tx1"/>
+                </a:solidFill>
+                <a:latin typeface="Roboto"/>
+                <a:ea typeface="Roboto"/>
+                <a:cs typeface="Roboto"/>
+                <a:sym typeface="Roboto"/>
+              </a:rPr>
+              <a:t>любой пользовательский класс и его наследники</a:t>
+            </a:r>
+            <a:endParaRPr sz="1600" i="0" u="none" strike="noStrike" cap="none" dirty="0">
               <a:solidFill>
                 <a:schemeClr val="tx1"/>
               </a:solidFill>
@@ -20027,9 +20063,21 @@
                 <a:cs typeface="Roboto"/>
                 <a:sym typeface="Roboto"/>
               </a:rPr>
-              <a:t>Интерфейсы</a:t>
+              <a:t>Интерфейсы </a:t>
             </a:r>
-            <a:endParaRPr sz="1600" b="1" dirty="0">
+            <a:r>
+              <a:rPr lang="ru-RU" sz="1600" i="0" u="none" strike="noStrike" cap="none" dirty="0">
+                <a:solidFill>
+                  <a:schemeClr val="tx1"/>
+                </a:solidFill>
+                <a:latin typeface="Roboto"/>
+                <a:ea typeface="Roboto"/>
+                <a:cs typeface="Roboto"/>
+                <a:sym typeface="Roboto"/>
+              </a:rPr>
+              <a:t>– любые реализации заданного интерфейса</a:t>
+            </a:r>
+            <a:endParaRPr sz="1600" dirty="0">
               <a:solidFill>
                 <a:schemeClr val="tx1"/>
               </a:solidFill>
@@ -20102,7 +20150,7 @@
               <a:buNone/>
             </a:pPr>
             <a:r>
-              <a:rPr lang="en-US" sz="1600" b="1" dirty="0">
+              <a:rPr lang="ru-RU" sz="1600" b="1" dirty="0">
                 <a:solidFill>
                   <a:schemeClr val="tx1"/>
                 </a:solidFill>
@@ -20111,7 +20159,31 @@
                 <a:cs typeface="Roboto"/>
                 <a:sym typeface="Roboto"/>
               </a:rPr>
-              <a:t>class</a:t>
+              <a:t>с</a:t>
+            </a:r>
+            <a:r>
+              <a:rPr lang="en-US" sz="1600" b="1" dirty="0">
+                <a:solidFill>
+                  <a:schemeClr val="tx1"/>
+                </a:solidFill>
+                <a:latin typeface="Roboto"/>
+                <a:ea typeface="Roboto"/>
+                <a:cs typeface="Roboto"/>
+                <a:sym typeface="Roboto"/>
+              </a:rPr>
+              <a:t>lass</a:t>
+            </a:r>
+            <a:r>
+              <a:rPr lang="ru-RU" sz="1600" b="1" dirty="0">
+                <a:solidFill>
+                  <a:schemeClr val="tx1"/>
+                </a:solidFill>
+                <a:latin typeface="Roboto"/>
+                <a:ea typeface="Roboto"/>
+                <a:cs typeface="Roboto"/>
+                <a:sym typeface="Roboto"/>
+              </a:rPr>
+              <a:t> - </a:t>
             </a:r>
             <a:endParaRPr sz="1600" b="1" i="0" u="none" strike="noStrike" cap="none" dirty="0">
               <a:solidFill>
@@ -20884,7 +20956,7 @@
                 <a:cs typeface="Roboto"/>
                 <a:sym typeface="Roboto"/>
               </a:rPr>
-              <a:t> позволяют использовать определенные структуры с разными типами данных при этом снижая производительность. За счет этого повышается их универсальность для повторног оиспользования.</a:t>
+              <a:t> позволяют использовать определенные структуры с разными типами данных. За счет этого повышается их универсальность для повторного оиспользования.</a:t>
             </a:r>
             <a:endParaRPr sz="1100" i="0" u="none" strike="noStrike" cap="none" dirty="0">
               <a:solidFill>

--- a/2.Generics/GenericsPresentation.pptx
+++ b/2.Generics/GenericsPresentation.pptx
@@ -19747,7 +19747,7 @@
             <a:r>
               <a:rPr lang="ru-RU" sz="2000" dirty="0">
                 <a:solidFill>
-                  <a:srgbClr val="424C53"/>
+                  <a:schemeClr val="tx1"/>
                 </a:solidFill>
                 <a:latin typeface="Calibri"/>
                 <a:ea typeface="Calibri"/>
